--- a/Interview Prep-Work/17.07.2018 Mastercard 1st Telephonic Interview.pptx
+++ b/Interview Prep-Work/17.07.2018 Mastercard 1st Telephonic Interview.pptx
@@ -11,6 +11,8 @@
     <p:sldId id="271" r:id="rId6"/>
     <p:sldId id="270" r:id="rId7"/>
     <p:sldId id="272" r:id="rId8"/>
+    <p:sldId id="274" r:id="rId9"/>
+    <p:sldId id="275" r:id="rId10"/>
   </p:sldIdLst>
   <p:sldSz cx="12192000" cy="6858000"/>
   <p:notesSz cx="6858000" cy="9144000"/>
@@ -4862,6 +4864,515 @@
 </p:sld>
 </file>
 
+<file path=ppt/slides/slide7.xml><?xml version="1.0" encoding="utf-8"?>
+<p:sld xmlns:a="http://schemas.openxmlformats.org/drawingml/2006/main" xmlns:r="http://schemas.openxmlformats.org/officeDocument/2006/relationships" xmlns:p="http://schemas.openxmlformats.org/presentationml/2006/main">
+  <p:cSld>
+    <p:spTree>
+      <p:nvGrpSpPr>
+        <p:cNvPr id="1" name=""/>
+        <p:cNvGrpSpPr/>
+        <p:nvPr/>
+      </p:nvGrpSpPr>
+      <p:grpSpPr/>
+      <p:sp>
+        <p:nvSpPr>
+          <p:cNvPr id="2" name="Title 1"/>
+          <p:cNvSpPr>
+            <a:spLocks noGrp="1"/>
+          </p:cNvSpPr>
+          <p:nvPr>
+            <p:ph type="title"/>
+          </p:nvPr>
+        </p:nvSpPr>
+        <p:spPr>
+          <a:xfrm>
+            <a:off x="170815" y="99060"/>
+            <a:ext cx="11947525" cy="590550"/>
+          </a:xfrm>
+        </p:spPr>
+        <p:txBody>
+          <a:bodyPr>
+            <a:normAutofit fontScale="90000"/>
+          </a:bodyPr>
+          <a:p>
+            <a:r>
+              <a:rPr lang="en-GB" altLang="en-US" sz="3600" b="1">
+                <a:solidFill>
+                  <a:srgbClr val="00B050"/>
+                </a:solidFill>
+              </a:rPr>
+              <a:t>7) If offered the job, would I relocate to Dublin or what is the set up?</a:t>
+            </a:r>
+            <a:endParaRPr lang="en-GB" altLang="en-US" sz="3600" b="1">
+              <a:solidFill>
+                <a:srgbClr val="00B050"/>
+              </a:solidFill>
+            </a:endParaRPr>
+          </a:p>
+        </p:txBody>
+      </p:sp>
+      <p:sp>
+        <p:nvSpPr>
+          <p:cNvPr id="3" name="Content Placeholder 2"/>
+          <p:cNvSpPr/>
+          <p:nvPr>
+            <p:ph idx="1"/>
+          </p:nvPr>
+        </p:nvSpPr>
+        <p:spPr>
+          <a:xfrm>
+            <a:off x="185420" y="726440"/>
+            <a:ext cx="11932285" cy="5899150"/>
+          </a:xfrm>
+        </p:spPr>
+        <p:style>
+          <a:lnRef idx="2">
+            <a:schemeClr val="accent6"/>
+          </a:lnRef>
+          <a:fillRef idx="1">
+            <a:schemeClr val="lt1"/>
+          </a:fillRef>
+          <a:effectRef idx="0">
+            <a:schemeClr val="accent6"/>
+          </a:effectRef>
+          <a:fontRef idx="minor">
+            <a:schemeClr val="dk1"/>
+          </a:fontRef>
+        </p:style>
+        <p:txBody>
+          <a:bodyPr>
+            <a:normAutofit/>
+          </a:bodyPr>
+          <a:p>
+            <a:pPr marL="0" indent="0">
+              <a:buNone/>
+            </a:pPr>
+            <a:r>
+              <a:rPr lang="en-GB" altLang="en-US" sz="1800"/>
+              <a:t>I have come up with 2 ways in which this could be achieved:</a:t>
+            </a:r>
+            <a:endParaRPr lang="en-GB" altLang="en-US" sz="1800"/>
+          </a:p>
+          <a:p>
+            <a:pPr marL="0" indent="0">
+              <a:buNone/>
+            </a:pPr>
+            <a:r>
+              <a:rPr lang="en-GB" altLang="en-US" sz="1800" b="1"/>
+              <a:t>Solution 1: </a:t>
+            </a:r>
+            <a:endParaRPr lang="en-GB" altLang="en-US" sz="1800" b="1"/>
+          </a:p>
+          <a:p>
+            <a:pPr marL="0" indent="0">
+              <a:buNone/>
+            </a:pPr>
+            <a:r>
+              <a:rPr lang="en-GB" altLang="en-US" sz="1800"/>
+              <a:t>The Limited Company is registered in Scotland. I travel to Dublin, Ireland for work. This would mean that the flight/train/bus costs, accomodation to stay, meals and other 'subsistence' while travelling could be deducted from my day rate paid by the project assignment at Mastercard.</a:t>
+            </a:r>
+            <a:endParaRPr lang="en-GB" altLang="en-US" sz="1800"/>
+          </a:p>
+          <a:p>
+            <a:pPr marL="0" indent="0">
+              <a:buNone/>
+            </a:pPr>
+            <a:r>
+              <a:rPr lang="en-GB" altLang="en-US" sz="1800"/>
+              <a:t>In other words, In a 20 day month,</a:t>
+            </a:r>
+            <a:endParaRPr lang="en-GB" altLang="en-US" sz="1800"/>
+          </a:p>
+          <a:p>
+            <a:pPr marL="0" indent="0">
+              <a:buNone/>
+            </a:pPr>
+            <a:r>
+              <a:rPr lang="en-GB" altLang="en-US" sz="1800"/>
+              <a:t>€421 / day X 20 days = €8,420 /month is paid by the client to my Limited Company.</a:t>
+            </a:r>
+            <a:endParaRPr lang="en-GB" altLang="en-US" sz="1800"/>
+          </a:p>
+          <a:p>
+            <a:pPr marL="0" indent="0">
+              <a:buNone/>
+            </a:pPr>
+            <a:r>
+              <a:rPr lang="en-GB" altLang="en-US" sz="1800"/>
+              <a:t>Deduct Travel &amp; Subsistence: Flights €250 + Taxi €50 + Trains €50 + B&amp;B €300 + Meals €75 = €725 X 4 = €2,900 </a:t>
+            </a:r>
+            <a:endParaRPr lang="en-GB" altLang="en-US" sz="1800"/>
+          </a:p>
+          <a:p>
+            <a:pPr marL="0" indent="0">
+              <a:buNone/>
+            </a:pPr>
+            <a:r>
+              <a:rPr lang="en-GB" altLang="en-US" sz="1800">
+                <a:sym typeface="+mn-ea"/>
+              </a:rPr>
+              <a:t>Hence, €8,420 - €2,900 = €5,520. Operating PAYE paying £1,000 salary per month, PAYE Tax + Employers/Employees NI to pay HMRC = £80 / month &amp; £960 take home salary paid.</a:t>
+            </a:r>
+            <a:endParaRPr lang="en-GB" altLang="en-US" sz="1800">
+              <a:sym typeface="+mn-ea"/>
+            </a:endParaRPr>
+          </a:p>
+          <a:p>
+            <a:pPr marL="0" indent="0">
+              <a:buNone/>
+            </a:pPr>
+            <a:r>
+              <a:rPr lang="en-GB" altLang="en-US" sz="1800">
+                <a:sym typeface="+mn-ea"/>
+              </a:rPr>
+              <a:t>=&gt; €5,520 - (€960 + €80) = €4,480 on which corporation tax is paid at 20%</a:t>
+            </a:r>
+            <a:endParaRPr lang="en-GB" altLang="en-US" sz="1800">
+              <a:sym typeface="+mn-ea"/>
+            </a:endParaRPr>
+          </a:p>
+          <a:p>
+            <a:pPr marL="0" indent="0">
+              <a:buNone/>
+            </a:pPr>
+            <a:r>
+              <a:rPr lang="en-GB" altLang="en-US" sz="1800">
+                <a:sym typeface="+mn-ea"/>
+              </a:rPr>
+              <a:t>Corporation tax = €4,480 X 20% = €896</a:t>
+            </a:r>
+            <a:endParaRPr lang="en-GB" altLang="en-US" sz="1800">
+              <a:sym typeface="+mn-ea"/>
+            </a:endParaRPr>
+          </a:p>
+          <a:p>
+            <a:pPr marL="0" indent="0">
+              <a:buNone/>
+            </a:pPr>
+            <a:r>
+              <a:rPr lang="en-GB" altLang="en-US" sz="1800">
+                <a:sym typeface="+mn-ea"/>
+              </a:rPr>
+              <a:t>=&gt; Money in business bank account = €4,480 - €896 = €3,584</a:t>
+            </a:r>
+            <a:endParaRPr lang="en-GB" altLang="en-US" sz="1800">
+              <a:sym typeface="+mn-ea"/>
+            </a:endParaRPr>
+          </a:p>
+          <a:p>
+            <a:pPr marL="0" indent="0">
+              <a:buNone/>
+            </a:pPr>
+            <a:r>
+              <a:rPr lang="en-GB" altLang="en-US" sz="1800">
+                <a:sym typeface="+mn-ea"/>
+              </a:rPr>
+              <a:t>As a basic rate tax payer, I would pay 7.5% dividend tax = (€3,584 X 7.5)/100 = €269 (Higher rates may apply)</a:t>
+            </a:r>
+            <a:endParaRPr lang="en-GB" altLang="en-US" sz="1800">
+              <a:sym typeface="+mn-ea"/>
+            </a:endParaRPr>
+          </a:p>
+          <a:p>
+            <a:pPr marL="0" indent="0">
+              <a:buNone/>
+            </a:pPr>
+            <a:r>
+              <a:rPr lang="en-GB" altLang="en-US" sz="1800">
+                <a:sym typeface="+mn-ea"/>
+              </a:rPr>
+              <a:t>=&gt; €3,584 - €269 = €3,315</a:t>
+            </a:r>
+            <a:endParaRPr lang="en-GB" altLang="en-US" sz="1800">
+              <a:sym typeface="+mn-ea"/>
+            </a:endParaRPr>
+          </a:p>
+          <a:p>
+            <a:pPr marL="0" indent="0">
+              <a:buNone/>
+            </a:pPr>
+            <a:r>
+              <a:rPr lang="en-GB" altLang="en-US" sz="1800" b="1">
+                <a:solidFill>
+                  <a:srgbClr val="0070C0"/>
+                </a:solidFill>
+                <a:sym typeface="+mn-ea"/>
+              </a:rPr>
+              <a:t>Hence, my monthly take home shall be around €3,315 + €960 = €4,275 = Around £3780 per month</a:t>
+            </a:r>
+            <a:endParaRPr lang="en-GB" altLang="en-US" sz="1800" b="1">
+              <a:solidFill>
+                <a:srgbClr val="0070C0"/>
+              </a:solidFill>
+              <a:sym typeface="+mn-ea"/>
+            </a:endParaRPr>
+          </a:p>
+          <a:p>
+            <a:pPr marL="0" indent="0">
+              <a:buNone/>
+            </a:pPr>
+            <a:endParaRPr lang="en-GB" altLang="en-US" sz="1800"/>
+          </a:p>
+        </p:txBody>
+      </p:sp>
+    </p:spTree>
+  </p:cSld>
+  <p:clrMapOvr>
+    <a:masterClrMapping/>
+  </p:clrMapOvr>
+</p:sld>
+</file>
+
+<file path=ppt/slides/slide8.xml><?xml version="1.0" encoding="utf-8"?>
+<p:sld xmlns:a="http://schemas.openxmlformats.org/drawingml/2006/main" xmlns:r="http://schemas.openxmlformats.org/officeDocument/2006/relationships" xmlns:p="http://schemas.openxmlformats.org/presentationml/2006/main">
+  <p:cSld>
+    <p:spTree>
+      <p:nvGrpSpPr>
+        <p:cNvPr id="1" name=""/>
+        <p:cNvGrpSpPr/>
+        <p:nvPr/>
+      </p:nvGrpSpPr>
+      <p:grpSpPr/>
+      <p:sp>
+        <p:nvSpPr>
+          <p:cNvPr id="2" name="Title 1"/>
+          <p:cNvSpPr>
+            <a:spLocks noGrp="1"/>
+          </p:cNvSpPr>
+          <p:nvPr>
+            <p:ph type="title"/>
+          </p:nvPr>
+        </p:nvSpPr>
+        <p:spPr>
+          <a:xfrm>
+            <a:off x="170815" y="99060"/>
+            <a:ext cx="11947525" cy="590550"/>
+          </a:xfrm>
+        </p:spPr>
+        <p:txBody>
+          <a:bodyPr>
+            <a:normAutofit fontScale="90000"/>
+          </a:bodyPr>
+          <a:p>
+            <a:r>
+              <a:rPr lang="en-GB" altLang="en-US" sz="3600" b="1">
+                <a:solidFill>
+                  <a:srgbClr val="00B050"/>
+                </a:solidFill>
+                <a:sym typeface="+mn-ea"/>
+              </a:rPr>
+              <a:t>7) If offered the job, would I relocate to Dublin or what is the set up?</a:t>
+            </a:r>
+            <a:endParaRPr lang="en-GB" altLang="en-US" sz="3600" b="1">
+              <a:solidFill>
+                <a:srgbClr val="00B050"/>
+              </a:solidFill>
+            </a:endParaRPr>
+          </a:p>
+        </p:txBody>
+      </p:sp>
+      <p:sp>
+        <p:nvSpPr>
+          <p:cNvPr id="3" name="Content Placeholder 2"/>
+          <p:cNvSpPr/>
+          <p:nvPr>
+            <p:ph idx="1"/>
+          </p:nvPr>
+        </p:nvSpPr>
+        <p:spPr>
+          <a:xfrm>
+            <a:off x="185420" y="726440"/>
+            <a:ext cx="11932285" cy="5899150"/>
+          </a:xfrm>
+        </p:spPr>
+        <p:style>
+          <a:lnRef idx="2">
+            <a:schemeClr val="accent6"/>
+          </a:lnRef>
+          <a:fillRef idx="1">
+            <a:schemeClr val="lt1"/>
+          </a:fillRef>
+          <a:effectRef idx="0">
+            <a:schemeClr val="accent6"/>
+          </a:effectRef>
+          <a:fontRef idx="minor">
+            <a:schemeClr val="dk1"/>
+          </a:fontRef>
+        </p:style>
+        <p:txBody>
+          <a:bodyPr>
+            <a:normAutofit/>
+          </a:bodyPr>
+          <a:p>
+            <a:pPr marL="0" indent="0">
+              <a:buNone/>
+            </a:pPr>
+            <a:r>
+              <a:rPr lang="en-GB" altLang="en-US" sz="1800" b="1"/>
+              <a:t>Solution 2: </a:t>
+            </a:r>
+            <a:endParaRPr lang="en-GB" altLang="en-US" sz="1800" b="1"/>
+          </a:p>
+          <a:p>
+            <a:pPr marL="0" indent="0">
+              <a:buNone/>
+            </a:pPr>
+            <a:r>
+              <a:rPr lang="en-GB" altLang="en-US" sz="1800"/>
+              <a:t>The Limited Company is registered in Scotland. If I were to relocate to Dublin for the duration of the assignment,</a:t>
+            </a:r>
+            <a:endParaRPr lang="en-GB" altLang="en-US" sz="1800"/>
+          </a:p>
+          <a:p>
+            <a:pPr marL="0" indent="0">
+              <a:buNone/>
+            </a:pPr>
+            <a:r>
+              <a:rPr lang="en-GB" altLang="en-US" sz="1800"/>
+              <a:t>In a 20 day month,</a:t>
+            </a:r>
+            <a:endParaRPr lang="en-GB" altLang="en-US" sz="1800"/>
+          </a:p>
+          <a:p>
+            <a:pPr marL="0" indent="0">
+              <a:buNone/>
+            </a:pPr>
+            <a:r>
+              <a:rPr lang="en-GB" altLang="en-US" sz="1800">
+                <a:sym typeface="+mn-ea"/>
+              </a:rPr>
+              <a:t>€421 / day X 20 days = €8,420 / month is paid by the client to my Limited Company.</a:t>
+            </a:r>
+            <a:endParaRPr lang="en-GB" altLang="en-US" sz="1800">
+              <a:sym typeface="+mn-ea"/>
+            </a:endParaRPr>
+          </a:p>
+          <a:p>
+            <a:pPr marL="0" indent="0">
+              <a:buNone/>
+            </a:pPr>
+            <a:r>
+              <a:rPr lang="en-GB" altLang="en-US" sz="1800">
+                <a:sym typeface="+mn-ea"/>
+              </a:rPr>
+              <a:t>No expenses are allowed as I have relocated to Dublin.</a:t>
+            </a:r>
+            <a:endParaRPr lang="en-GB" altLang="en-US" sz="1800">
+              <a:sym typeface="+mn-ea"/>
+            </a:endParaRPr>
+          </a:p>
+          <a:p>
+            <a:pPr marL="0" indent="0">
+              <a:buNone/>
+            </a:pPr>
+            <a:r>
+              <a:rPr lang="en-GB" altLang="en-US" sz="1800">
+                <a:sym typeface="+mn-ea"/>
+              </a:rPr>
+              <a:t>Operating PAYE paying £1,000 salary per month, PAYE Tax + Employers/Employees NI to pay HMRC = £80 / month &amp; £960 take home salary paid.</a:t>
+            </a:r>
+            <a:endParaRPr lang="en-GB" altLang="en-US" sz="1800">
+              <a:sym typeface="+mn-ea"/>
+            </a:endParaRPr>
+          </a:p>
+          <a:p>
+            <a:pPr marL="0" indent="0">
+              <a:buNone/>
+            </a:pPr>
+            <a:r>
+              <a:rPr lang="en-GB" altLang="en-US" sz="1800">
+                <a:sym typeface="+mn-ea"/>
+              </a:rPr>
+              <a:t>€8,420 - (€960 + €80) = €7,380</a:t>
+            </a:r>
+            <a:endParaRPr lang="en-GB" altLang="en-US" sz="1800">
+              <a:sym typeface="+mn-ea"/>
+            </a:endParaRPr>
+          </a:p>
+          <a:p>
+            <a:pPr marL="0" indent="0">
+              <a:buNone/>
+            </a:pPr>
+            <a:r>
+              <a:rPr lang="en-GB" altLang="en-US" sz="1800">
+                <a:sym typeface="+mn-ea"/>
+              </a:rPr>
+              <a:t>Corporation tax = €7,380 X 20% = €1,476</a:t>
+            </a:r>
+            <a:endParaRPr lang="en-GB" altLang="en-US" sz="1800">
+              <a:sym typeface="+mn-ea"/>
+            </a:endParaRPr>
+          </a:p>
+          <a:p>
+            <a:pPr marL="0" indent="0">
+              <a:buNone/>
+            </a:pPr>
+            <a:r>
+              <a:rPr lang="en-GB" altLang="en-US" sz="1800">
+                <a:sym typeface="+mn-ea"/>
+              </a:rPr>
+              <a:t>€7,380 - €1,476 = €5,904 </a:t>
+            </a:r>
+            <a:endParaRPr lang="en-GB" altLang="en-US" sz="1800">
+              <a:sym typeface="+mn-ea"/>
+            </a:endParaRPr>
+          </a:p>
+          <a:p>
+            <a:pPr marL="0" indent="0">
+              <a:buNone/>
+            </a:pPr>
+            <a:r>
+              <a:rPr lang="en-GB" altLang="en-US" sz="1800">
+                <a:sym typeface="+mn-ea"/>
+              </a:rPr>
+              <a:t>7.5% dividend tax = €5,904 X 7.5% = €442.80 (Higher rates may apply based on total earnings during the year)</a:t>
+            </a:r>
+            <a:endParaRPr lang="en-GB" altLang="en-US" sz="1800">
+              <a:sym typeface="+mn-ea"/>
+            </a:endParaRPr>
+          </a:p>
+          <a:p>
+            <a:pPr marL="0" indent="0">
+              <a:buNone/>
+            </a:pPr>
+            <a:r>
+              <a:rPr lang="en-GB" altLang="en-US" sz="1800">
+                <a:sym typeface="+mn-ea"/>
+              </a:rPr>
+              <a:t>€5,904 - €442.80 = €5,461.20</a:t>
+            </a:r>
+            <a:endParaRPr lang="en-GB" altLang="en-US" sz="1800">
+              <a:sym typeface="+mn-ea"/>
+            </a:endParaRPr>
+          </a:p>
+          <a:p>
+            <a:pPr marL="0" indent="0">
+              <a:buNone/>
+            </a:pPr>
+            <a:r>
+              <a:rPr lang="en-GB" altLang="en-US" sz="1800" b="1">
+                <a:solidFill>
+                  <a:srgbClr val="0070C0"/>
+                </a:solidFill>
+              </a:rPr>
+              <a:t>Monthly take home = €5,461 + €960 = €6,421.2 = Around £5,676.87 per month</a:t>
+            </a:r>
+            <a:endParaRPr lang="en-GB" altLang="en-US" sz="1800" b="1">
+              <a:solidFill>
+                <a:srgbClr val="0070C0"/>
+              </a:solidFill>
+            </a:endParaRPr>
+          </a:p>
+        </p:txBody>
+      </p:sp>
+    </p:spTree>
+  </p:cSld>
+  <p:clrMapOvr>
+    <a:masterClrMapping/>
+  </p:clrMapOvr>
+</p:sld>
+</file>
+
 <file path=ppt/theme/theme1.xml><?xml version="1.0" encoding="utf-8"?>
 <a:theme xmlns:a="http://schemas.openxmlformats.org/drawingml/2006/main" name="Office Theme">
   <a:themeElements>
